--- a/question_1a.pptx
+++ b/question_1a.pptx
@@ -104,6 +104,11 @@
       </a:defRPr>
     </a:lvl9pPr>
   </p:defaultTextStyle>
+  <p:extLst>
+    <p:ext uri="{EFAFB233-063F-42B5-8137-9DF3F51BA10A}">
+      <p15:sldGuideLst xmlns:p15="http://schemas.microsoft.com/office/powerpoint/2012/main"/>
+    </p:ext>
+  </p:extLst>
 </p:presentation>
 </file>
 
@@ -3372,8 +3377,8 @@
           </a:p>
         </p:txBody>
       </p:sp>
-      <mc:AlternateContent xmlns:mc="http://schemas.openxmlformats.org/markup-compatibility/2006">
-        <mc:Choice xmlns:a14="http://schemas.microsoft.com/office/drawing/2010/main" Requires="a14">
+      <mc:AlternateContent xmlns:mc="http://schemas.openxmlformats.org/markup-compatibility/2006" xmlns:a14="http://schemas.microsoft.com/office/drawing/2010/main">
+        <mc:Choice Requires="a14">
           <p:sp>
             <p:nvSpPr>
               <p:cNvPr id="7" name="Oval 6">
@@ -3452,7 +3457,7 @@
             </p:txBody>
           </p:sp>
         </mc:Choice>
-        <mc:Fallback>
+        <mc:Fallback xmlns="">
           <p:sp>
             <p:nvSpPr>
               <p:cNvPr id="7" name="Oval 6">
@@ -3497,8 +3502,8 @@
           </p:sp>
         </mc:Fallback>
       </mc:AlternateContent>
-      <mc:AlternateContent xmlns:mc="http://schemas.openxmlformats.org/markup-compatibility/2006">
-        <mc:Choice xmlns:a14="http://schemas.microsoft.com/office/drawing/2010/main" Requires="a14">
+      <mc:AlternateContent xmlns:mc="http://schemas.openxmlformats.org/markup-compatibility/2006" xmlns:a14="http://schemas.microsoft.com/office/drawing/2010/main">
+        <mc:Choice Requires="a14">
           <p:sp>
             <p:nvSpPr>
               <p:cNvPr id="8" name="Oval 7">
@@ -3571,7 +3576,7 @@
             </p:txBody>
           </p:sp>
         </mc:Choice>
-        <mc:Fallback>
+        <mc:Fallback xmlns="">
           <p:sp>
             <p:nvSpPr>
               <p:cNvPr id="8" name="Oval 7">
@@ -3616,8 +3621,8 @@
           </p:sp>
         </mc:Fallback>
       </mc:AlternateContent>
-      <mc:AlternateContent xmlns:mc="http://schemas.openxmlformats.org/markup-compatibility/2006">
-        <mc:Choice xmlns:a14="http://schemas.microsoft.com/office/drawing/2010/main" Requires="a14">
+      <mc:AlternateContent xmlns:mc="http://schemas.openxmlformats.org/markup-compatibility/2006" xmlns:a14="http://schemas.microsoft.com/office/drawing/2010/main">
+        <mc:Choice Requires="a14">
           <p:sp>
             <p:nvSpPr>
               <p:cNvPr id="9" name="Oval 8">
@@ -3690,7 +3695,7 @@
             </p:txBody>
           </p:sp>
         </mc:Choice>
-        <mc:Fallback>
+        <mc:Fallback xmlns="">
           <p:sp>
             <p:nvSpPr>
               <p:cNvPr id="9" name="Oval 8">
@@ -3735,55 +3740,125 @@
           </p:sp>
         </mc:Fallback>
       </mc:AlternateContent>
-      <p:sp>
-        <p:nvSpPr>
-          <p:cNvPr id="13" name="Oval 12">
-            <a:extLst>
-              <a:ext uri="{FF2B5EF4-FFF2-40B4-BE49-F238E27FC236}">
-                <a16:creationId xmlns:a16="http://schemas.microsoft.com/office/drawing/2014/main" id="{A29A4891-10D7-3A4A-8B90-49F23C532CE4}"/>
-              </a:ext>
-            </a:extLst>
-          </p:cNvPr>
-          <p:cNvSpPr/>
-          <p:nvPr/>
-        </p:nvSpPr>
-        <p:spPr>
-          <a:xfrm>
-            <a:off x="5754290" y="2916323"/>
-            <a:ext cx="685800" cy="681037"/>
-          </a:xfrm>
-          <a:prstGeom prst="ellipse">
-            <a:avLst/>
-          </a:prstGeom>
-          <a:solidFill>
-            <a:srgbClr val="FFC000"/>
-          </a:solidFill>
-        </p:spPr>
-        <p:style>
-          <a:lnRef idx="2">
-            <a:schemeClr val="accent1">
-              <a:shade val="50000"/>
-            </a:schemeClr>
-          </a:lnRef>
-          <a:fillRef idx="1">
-            <a:schemeClr val="accent1"/>
-          </a:fillRef>
-          <a:effectRef idx="0">
-            <a:schemeClr val="accent1"/>
-          </a:effectRef>
-          <a:fontRef idx="minor">
-            <a:schemeClr val="lt1"/>
-          </a:fontRef>
-        </p:style>
-        <p:txBody>
-          <a:bodyPr rtlCol="0" anchor="ctr"/>
-          <a:lstStyle/>
-          <a:p>
-            <a:pPr algn="ctr"/>
-            <a:endParaRPr lang="en-US"/>
-          </a:p>
-        </p:txBody>
-      </p:sp>
+      <mc:AlternateContent xmlns:mc="http://schemas.openxmlformats.org/markup-compatibility/2006" xmlns:a14="http://schemas.microsoft.com/office/drawing/2010/main">
+        <mc:Choice Requires="a14">
+          <p:sp>
+            <p:nvSpPr>
+              <p:cNvPr id="13" name="Oval 12">
+                <a:extLst>
+                  <a:ext uri="{FF2B5EF4-FFF2-40B4-BE49-F238E27FC236}">
+                    <a16:creationId xmlns:a16="http://schemas.microsoft.com/office/drawing/2014/main" id="{A29A4891-10D7-3A4A-8B90-49F23C532CE4}"/>
+                  </a:ext>
+                </a:extLst>
+              </p:cNvPr>
+              <p:cNvSpPr/>
+              <p:nvPr/>
+            </p:nvSpPr>
+            <p:spPr>
+              <a:xfrm>
+                <a:off x="5754290" y="2916323"/>
+                <a:ext cx="685800" cy="681037"/>
+              </a:xfrm>
+              <a:prstGeom prst="ellipse">
+                <a:avLst/>
+              </a:prstGeom>
+              <a:solidFill>
+                <a:srgbClr val="FFC000"/>
+              </a:solidFill>
+            </p:spPr>
+            <p:style>
+              <a:lnRef idx="2">
+                <a:schemeClr val="accent1">
+                  <a:shade val="50000"/>
+                </a:schemeClr>
+              </a:lnRef>
+              <a:fillRef idx="1">
+                <a:schemeClr val="accent1"/>
+              </a:fillRef>
+              <a:effectRef idx="0">
+                <a:schemeClr val="accent1"/>
+              </a:effectRef>
+              <a:fontRef idx="minor">
+                <a:schemeClr val="lt1"/>
+              </a:fontRef>
+            </p:style>
+            <p:txBody>
+              <a:bodyPr rtlCol="0" anchor="ctr"/>
+              <a:lstStyle/>
+              <a:p>
+                <a:pPr algn="ctr"/>
+                <a14:m>
+                  <m:oMathPara xmlns:m="http://schemas.openxmlformats.org/officeDocument/2006/math">
+                    <m:oMathParaPr>
+                      <m:jc m:val="centerGroup"/>
+                    </m:oMathParaPr>
+                    <m:oMath xmlns:m="http://schemas.openxmlformats.org/officeDocument/2006/math">
+                      <m:r>
+                        <a:rPr lang="en-GB" b="0" i="1" smtClean="0">
+                          <a:solidFill>
+                            <a:schemeClr val="tx1"/>
+                          </a:solidFill>
+                          <a:latin typeface="Cambria Math" panose="02040503050406030204" pitchFamily="18" charset="0"/>
+                        </a:rPr>
+                        <m:t>𝑎</m:t>
+                      </m:r>
+                    </m:oMath>
+                  </m:oMathPara>
+                </a14:m>
+                <a:endParaRPr lang="en-US" dirty="0">
+                  <a:solidFill>
+                    <a:schemeClr val="tx1"/>
+                  </a:solidFill>
+                </a:endParaRPr>
+              </a:p>
+            </p:txBody>
+          </p:sp>
+        </mc:Choice>
+        <mc:Fallback xmlns="">
+          <p:sp>
+            <p:nvSpPr>
+              <p:cNvPr id="13" name="Oval 12">
+                <a:extLst>
+                  <a:ext uri="{FF2B5EF4-FFF2-40B4-BE49-F238E27FC236}">
+                    <a16:creationId xmlns:a16="http://schemas.microsoft.com/office/drawing/2014/main" id="{A29A4891-10D7-3A4A-8B90-49F23C532CE4}"/>
+                  </a:ext>
+                </a:extLst>
+              </p:cNvPr>
+              <p:cNvSpPr>
+                <a:spLocks noRot="1" noChangeAspect="1" noMove="1" noResize="1" noEditPoints="1" noAdjustHandles="1" noChangeArrowheads="1" noChangeShapeType="1" noTextEdit="1"/>
+              </p:cNvSpPr>
+              <p:nvPr/>
+            </p:nvSpPr>
+            <p:spPr>
+              <a:xfrm>
+                <a:off x="5754290" y="2916323"/>
+                <a:ext cx="685800" cy="681037"/>
+              </a:xfrm>
+              <a:prstGeom prst="ellipse">
+                <a:avLst/>
+              </a:prstGeom>
+              <a:blipFill>
+                <a:blip r:embed="rId5"/>
+                <a:stretch>
+                  <a:fillRect/>
+                </a:stretch>
+              </a:blipFill>
+            </p:spPr>
+            <p:txBody>
+              <a:bodyPr/>
+              <a:lstStyle/>
+              <a:p>
+                <a:r>
+                  <a:rPr lang="en-US">
+                    <a:noFill/>
+                  </a:rPr>
+                  <a:t> </a:t>
+                </a:r>
+              </a:p>
+            </p:txBody>
+          </p:sp>
+        </mc:Fallback>
+      </mc:AlternateContent>
       <p:cxnSp>
         <p:nvCxnSpPr>
           <p:cNvPr id="48" name="Straight Connector 47">
@@ -3940,491 +4015,8 @@
           </a:fontRef>
         </p:style>
       </p:cxnSp>
-      <p:sp>
-        <p:nvSpPr>
-          <p:cNvPr id="82" name="TextBox 81">
-            <a:extLst>
-              <a:ext uri="{FF2B5EF4-FFF2-40B4-BE49-F238E27FC236}">
-                <a16:creationId xmlns:a16="http://schemas.microsoft.com/office/drawing/2014/main" id="{A7BCD541-1F9F-FF44-BB14-5C0E7B5671AF}"/>
-              </a:ext>
-            </a:extLst>
-          </p:cNvPr>
-          <p:cNvSpPr txBox="1"/>
-          <p:nvPr/>
-        </p:nvSpPr>
-        <p:spPr>
-          <a:xfrm>
-            <a:off x="5407190" y="5715470"/>
-            <a:ext cx="1333314" cy="369332"/>
-          </a:xfrm>
-          <a:prstGeom prst="rect">
-            <a:avLst/>
-          </a:prstGeom>
-          <a:noFill/>
-        </p:spPr>
-        <p:txBody>
-          <a:bodyPr wrap="none" rtlCol="0">
-            <a:spAutoFit/>
-          </a:bodyPr>
-          <a:lstStyle/>
-          <a:p>
-            <a:r>
-              <a:rPr lang="en-US" dirty="0"/>
-              <a:t>Activations: </a:t>
-            </a:r>
-          </a:p>
-        </p:txBody>
-      </p:sp>
-      <p:sp>
-        <p:nvSpPr>
-          <p:cNvPr id="83" name="TextBox 82">
-            <a:extLst>
-              <a:ext uri="{FF2B5EF4-FFF2-40B4-BE49-F238E27FC236}">
-                <a16:creationId xmlns:a16="http://schemas.microsoft.com/office/drawing/2014/main" id="{3278302E-60F6-C147-A61E-FB044F02EB68}"/>
-              </a:ext>
-            </a:extLst>
-          </p:cNvPr>
-          <p:cNvSpPr txBox="1"/>
-          <p:nvPr/>
-        </p:nvSpPr>
-        <p:spPr>
-          <a:xfrm>
-            <a:off x="5408382" y="5081762"/>
-            <a:ext cx="1617494" cy="369332"/>
-          </a:xfrm>
-          <a:prstGeom prst="rect">
-            <a:avLst/>
-          </a:prstGeom>
-          <a:noFill/>
-        </p:spPr>
-        <p:txBody>
-          <a:bodyPr wrap="none" rtlCol="0">
-            <a:spAutoFit/>
-          </a:bodyPr>
-          <a:lstStyle/>
-          <a:p>
-            <a:r>
-              <a:rPr lang="en-US" dirty="0"/>
-              <a:t>Weighted Sum:</a:t>
-            </a:r>
-          </a:p>
-        </p:txBody>
-      </p:sp>
-      <mc:AlternateContent xmlns:mc="http://schemas.openxmlformats.org/markup-compatibility/2006">
-        <mc:Choice xmlns:a14="http://schemas.microsoft.com/office/drawing/2010/main" Requires="a14">
-          <p:sp>
-            <p:nvSpPr>
-              <p:cNvPr id="84" name="TextBox 83">
-                <a:extLst>
-                  <a:ext uri="{FF2B5EF4-FFF2-40B4-BE49-F238E27FC236}">
-                    <a16:creationId xmlns:a16="http://schemas.microsoft.com/office/drawing/2014/main" id="{0E09F600-DD28-194E-8B64-B1ED06075213}"/>
-                  </a:ext>
-                </a:extLst>
-              </p:cNvPr>
-              <p:cNvSpPr txBox="1"/>
-              <p:nvPr/>
-            </p:nvSpPr>
-            <p:spPr>
-              <a:xfrm>
-                <a:off x="6956402" y="5715470"/>
-                <a:ext cx="1113574" cy="369332"/>
-              </a:xfrm>
-              <a:prstGeom prst="rect">
-                <a:avLst/>
-              </a:prstGeom>
-              <a:noFill/>
-            </p:spPr>
-            <p:txBody>
-              <a:bodyPr wrap="none" rtlCol="0">
-                <a:spAutoFit/>
-              </a:bodyPr>
-              <a:lstStyle/>
-              <a:p>
-                <a14:m>
-                  <m:oMathPara xmlns:m="http://schemas.openxmlformats.org/officeDocument/2006/math">
-                    <m:oMathParaPr>
-                      <m:jc m:val="centerGroup"/>
-                    </m:oMathParaPr>
-                    <m:oMath xmlns:m="http://schemas.openxmlformats.org/officeDocument/2006/math">
-                      <m:r>
-                        <a:rPr lang="en-GB" b="0" i="1" smtClean="0">
-                          <a:latin typeface="Cambria Math" panose="02040503050406030204" pitchFamily="18" charset="0"/>
-                        </a:rPr>
-                        <m:t>𝑎</m:t>
-                      </m:r>
-                      <m:r>
-                        <a:rPr lang="en-GB" b="0" i="1" smtClean="0">
-                          <a:latin typeface="Cambria Math" panose="02040503050406030204" pitchFamily="18" charset="0"/>
-                        </a:rPr>
-                        <m:t>=</m:t>
-                      </m:r>
-                      <m:r>
-                        <a:rPr lang="en-GB" b="0" i="1" smtClean="0">
-                          <a:latin typeface="Cambria Math" panose="02040503050406030204" pitchFamily="18" charset="0"/>
-                        </a:rPr>
-                        <m:t>h</m:t>
-                      </m:r>
-                      <m:r>
-                        <a:rPr lang="en-GB" b="0" i="1" smtClean="0">
-                          <a:latin typeface="Cambria Math" panose="02040503050406030204" pitchFamily="18" charset="0"/>
-                        </a:rPr>
-                        <m:t>(</m:t>
-                      </m:r>
-                      <m:r>
-                        <a:rPr lang="en-GB" b="0" i="1" smtClean="0">
-                          <a:latin typeface="Cambria Math" panose="02040503050406030204" pitchFamily="18" charset="0"/>
-                        </a:rPr>
-                        <m:t>𝑧</m:t>
-                      </m:r>
-                      <m:r>
-                        <a:rPr lang="en-GB" b="0" i="1" smtClean="0">
-                          <a:latin typeface="Cambria Math" panose="02040503050406030204" pitchFamily="18" charset="0"/>
-                        </a:rPr>
-                        <m:t>)</m:t>
-                      </m:r>
-                    </m:oMath>
-                  </m:oMathPara>
-                </a14:m>
-                <a:endParaRPr lang="en-US" dirty="0"/>
-              </a:p>
-            </p:txBody>
-          </p:sp>
-        </mc:Choice>
-        <mc:Fallback>
-          <p:sp>
-            <p:nvSpPr>
-              <p:cNvPr id="84" name="TextBox 83">
-                <a:extLst>
-                  <a:ext uri="{FF2B5EF4-FFF2-40B4-BE49-F238E27FC236}">
-                    <a16:creationId xmlns:a16="http://schemas.microsoft.com/office/drawing/2014/main" id="{0E09F600-DD28-194E-8B64-B1ED06075213}"/>
-                  </a:ext>
-                </a:extLst>
-              </p:cNvPr>
-              <p:cNvSpPr txBox="1">
-                <a:spLocks noRot="1" noChangeAspect="1" noMove="1" noResize="1" noEditPoints="1" noAdjustHandles="1" noChangeArrowheads="1" noChangeShapeType="1" noTextEdit="1"/>
-              </p:cNvSpPr>
-              <p:nvPr/>
-            </p:nvSpPr>
-            <p:spPr>
-              <a:xfrm>
-                <a:off x="6956402" y="5715470"/>
-                <a:ext cx="1113574" cy="369332"/>
-              </a:xfrm>
-              <a:prstGeom prst="rect">
-                <a:avLst/>
-              </a:prstGeom>
-              <a:blipFill>
-                <a:blip r:embed="rId5"/>
-                <a:stretch>
-                  <a:fillRect b="-13333"/>
-                </a:stretch>
-              </a:blipFill>
-            </p:spPr>
-            <p:txBody>
-              <a:bodyPr/>
-              <a:lstStyle/>
-              <a:p>
-                <a:r>
-                  <a:rPr lang="en-US">
-                    <a:noFill/>
-                  </a:rPr>
-                  <a:t> </a:t>
-                </a:r>
-              </a:p>
-            </p:txBody>
-          </p:sp>
-        </mc:Fallback>
-      </mc:AlternateContent>
-      <mc:AlternateContent xmlns:mc="http://schemas.openxmlformats.org/markup-compatibility/2006">
-        <mc:Choice xmlns:a14="http://schemas.microsoft.com/office/drawing/2010/main" Requires="a14">
-          <p:sp>
-            <p:nvSpPr>
-              <p:cNvPr id="90" name="TextBox 89">
-                <a:extLst>
-                  <a:ext uri="{FF2B5EF4-FFF2-40B4-BE49-F238E27FC236}">
-                    <a16:creationId xmlns:a16="http://schemas.microsoft.com/office/drawing/2014/main" id="{2FE9722B-AEBC-FF4F-BB9E-88566F87576A}"/>
-                  </a:ext>
-                </a:extLst>
-              </p:cNvPr>
-              <p:cNvSpPr txBox="1"/>
-              <p:nvPr/>
-            </p:nvSpPr>
-            <p:spPr>
-              <a:xfrm>
-                <a:off x="8016307" y="5706356"/>
-                <a:ext cx="3151888" cy="369332"/>
-              </a:xfrm>
-              <a:prstGeom prst="rect">
-                <a:avLst/>
-              </a:prstGeom>
-              <a:noFill/>
-            </p:spPr>
-            <p:txBody>
-              <a:bodyPr wrap="none" rtlCol="0">
-                <a:spAutoFit/>
-              </a:bodyPr>
-              <a:lstStyle/>
-              <a:p>
-                <a:r>
-                  <a:rPr lang="en-US" dirty="0"/>
-                  <a:t>non-linear activation function </a:t>
-                </a:r>
-                <a14:m>
-                  <m:oMath xmlns:m="http://schemas.openxmlformats.org/officeDocument/2006/math">
-                    <m:r>
-                      <a:rPr lang="en-GB" b="0" i="1" smtClean="0">
-                        <a:latin typeface="Cambria Math" panose="02040503050406030204" pitchFamily="18" charset="0"/>
-                      </a:rPr>
-                      <m:t>h</m:t>
-                    </m:r>
-                  </m:oMath>
-                </a14:m>
-                <a:endParaRPr lang="en-US" dirty="0"/>
-              </a:p>
-            </p:txBody>
-          </p:sp>
-        </mc:Choice>
-        <mc:Fallback>
-          <p:sp>
-            <p:nvSpPr>
-              <p:cNvPr id="90" name="TextBox 89">
-                <a:extLst>
-                  <a:ext uri="{FF2B5EF4-FFF2-40B4-BE49-F238E27FC236}">
-                    <a16:creationId xmlns:a16="http://schemas.microsoft.com/office/drawing/2014/main" id="{2FE9722B-AEBC-FF4F-BB9E-88566F87576A}"/>
-                  </a:ext>
-                </a:extLst>
-              </p:cNvPr>
-              <p:cNvSpPr txBox="1">
-                <a:spLocks noRot="1" noChangeAspect="1" noMove="1" noResize="1" noEditPoints="1" noAdjustHandles="1" noChangeArrowheads="1" noChangeShapeType="1" noTextEdit="1"/>
-              </p:cNvSpPr>
-              <p:nvPr/>
-            </p:nvSpPr>
-            <p:spPr>
-              <a:xfrm>
-                <a:off x="8016307" y="5706356"/>
-                <a:ext cx="3151888" cy="369332"/>
-              </a:xfrm>
-              <a:prstGeom prst="rect">
-                <a:avLst/>
-              </a:prstGeom>
-              <a:blipFill>
-                <a:blip r:embed="rId6"/>
-                <a:stretch>
-                  <a:fillRect l="-1205" t="-3333" b="-26667"/>
-                </a:stretch>
-              </a:blipFill>
-            </p:spPr>
-            <p:txBody>
-              <a:bodyPr/>
-              <a:lstStyle/>
-              <a:p>
-                <a:r>
-                  <a:rPr lang="en-US">
-                    <a:noFill/>
-                  </a:rPr>
-                  <a:t> </a:t>
-                </a:r>
-              </a:p>
-            </p:txBody>
-          </p:sp>
-        </mc:Fallback>
-      </mc:AlternateContent>
-      <mc:AlternateContent xmlns:mc="http://schemas.openxmlformats.org/markup-compatibility/2006">
-        <mc:Choice xmlns:a14="http://schemas.microsoft.com/office/drawing/2010/main" Requires="a14">
-          <p:sp>
-            <p:nvSpPr>
-              <p:cNvPr id="91" name="TextBox 90">
-                <a:extLst>
-                  <a:ext uri="{FF2B5EF4-FFF2-40B4-BE49-F238E27FC236}">
-                    <a16:creationId xmlns:a16="http://schemas.microsoft.com/office/drawing/2014/main" id="{C69D0E8C-8DB7-9847-9027-1AF404B02D07}"/>
-                  </a:ext>
-                </a:extLst>
-              </p:cNvPr>
-              <p:cNvSpPr txBox="1"/>
-              <p:nvPr/>
-            </p:nvSpPr>
-            <p:spPr>
-              <a:xfrm>
-                <a:off x="6956402" y="4826500"/>
-                <a:ext cx="2119811" cy="879856"/>
-              </a:xfrm>
-              <a:prstGeom prst="rect">
-                <a:avLst/>
-              </a:prstGeom>
-              <a:noFill/>
-            </p:spPr>
-            <p:txBody>
-              <a:bodyPr wrap="none" rtlCol="0">
-                <a:spAutoFit/>
-              </a:bodyPr>
-              <a:lstStyle/>
-              <a:p>
-                <a14:m>
-                  <m:oMathPara xmlns:m="http://schemas.openxmlformats.org/officeDocument/2006/math">
-                    <m:oMathParaPr>
-                      <m:jc m:val="centerGroup"/>
-                    </m:oMathParaPr>
-                    <m:oMath xmlns:m="http://schemas.openxmlformats.org/officeDocument/2006/math">
-                      <m:r>
-                        <a:rPr lang="en-GB" b="0" i="1" smtClean="0">
-                          <a:latin typeface="Cambria Math" panose="02040503050406030204" pitchFamily="18" charset="0"/>
-                        </a:rPr>
-                        <m:t>𝑧</m:t>
-                      </m:r>
-                      <m:r>
-                        <a:rPr lang="en-GB" b="0" i="1" smtClean="0">
-                          <a:latin typeface="Cambria Math" panose="02040503050406030204" pitchFamily="18" charset="0"/>
-                        </a:rPr>
-                        <m:t>=</m:t>
-                      </m:r>
-                      <m:nary>
-                        <m:naryPr>
-                          <m:chr m:val="∑"/>
-                          <m:ctrlPr>
-                            <a:rPr lang="en-US" i="1" smtClean="0">
-                              <a:latin typeface="Cambria Math" panose="02040503050406030204" pitchFamily="18" charset="0"/>
-                            </a:rPr>
-                          </m:ctrlPr>
-                        </m:naryPr>
-                        <m:sub>
-                          <m:r>
-                            <m:rPr>
-                              <m:brk m:alnAt="23"/>
-                            </m:rPr>
-                            <a:rPr lang="en-GB" b="0" i="1" smtClean="0">
-                              <a:latin typeface="Cambria Math" panose="02040503050406030204" pitchFamily="18" charset="0"/>
-                            </a:rPr>
-                            <m:t>𝑗</m:t>
-                          </m:r>
-                          <m:r>
-                            <a:rPr lang="en-GB" b="0" i="1" smtClean="0">
-                              <a:latin typeface="Cambria Math" panose="02040503050406030204" pitchFamily="18" charset="0"/>
-                            </a:rPr>
-                            <m:t>=1</m:t>
-                          </m:r>
-                        </m:sub>
-                        <m:sup>
-                          <m:r>
-                            <a:rPr lang="en-GB" b="0" i="1" smtClean="0">
-                              <a:latin typeface="Cambria Math" panose="02040503050406030204" pitchFamily="18" charset="0"/>
-                            </a:rPr>
-                            <m:t>𝑛</m:t>
-                          </m:r>
-                        </m:sup>
-                        <m:e>
-                          <m:r>
-                            <a:rPr lang="en-US" i="1" smtClean="0">
-                              <a:latin typeface="Cambria Math" panose="02040503050406030204" pitchFamily="18" charset="0"/>
-                              <a:ea typeface="Cambria Math" panose="02040503050406030204" pitchFamily="18" charset="0"/>
-                            </a:rPr>
-                            <m:t>𝜃</m:t>
-                          </m:r>
-                          <m:r>
-                            <a:rPr lang="en-GB" b="0" i="1" baseline="-25000" smtClean="0">
-                              <a:latin typeface="Cambria Math" panose="02040503050406030204" pitchFamily="18" charset="0"/>
-                              <a:ea typeface="Cambria Math" panose="02040503050406030204" pitchFamily="18" charset="0"/>
-                            </a:rPr>
-                            <m:t>𝑗</m:t>
-                          </m:r>
-                          <m:r>
-                            <a:rPr lang="en-GB" b="0" i="1" smtClean="0">
-                              <a:latin typeface="Cambria Math" panose="02040503050406030204" pitchFamily="18" charset="0"/>
-                              <a:ea typeface="Cambria Math" panose="02040503050406030204" pitchFamily="18" charset="0"/>
-                            </a:rPr>
-                            <m:t>𝑥</m:t>
-                          </m:r>
-                          <m:r>
-                            <a:rPr lang="en-GB" b="0" i="1" baseline="-25000" smtClean="0">
-                              <a:latin typeface="Cambria Math" panose="02040503050406030204" pitchFamily="18" charset="0"/>
-                              <a:ea typeface="Cambria Math" panose="02040503050406030204" pitchFamily="18" charset="0"/>
-                            </a:rPr>
-                            <m:t>𝑗</m:t>
-                          </m:r>
-                        </m:e>
-                      </m:nary>
-                      <m:r>
-                        <a:rPr lang="en-GB" b="0" i="1" smtClean="0">
-                          <a:latin typeface="Cambria Math" panose="02040503050406030204" pitchFamily="18" charset="0"/>
-                          <a:ea typeface="Cambria Math" panose="02040503050406030204" pitchFamily="18" charset="0"/>
-                        </a:rPr>
-                        <m:t>= </m:t>
-                      </m:r>
-                      <m:r>
-                        <a:rPr lang="en-GB" b="0" i="1" smtClean="0">
-                          <a:latin typeface="Cambria Math" panose="02040503050406030204" pitchFamily="18" charset="0"/>
-                          <a:ea typeface="Cambria Math" panose="02040503050406030204" pitchFamily="18" charset="0"/>
-                        </a:rPr>
-                        <m:t>𝜃</m:t>
-                      </m:r>
-                      <m:r>
-                        <a:rPr lang="en-GB" b="0" i="1" baseline="30000" smtClean="0">
-                          <a:latin typeface="Cambria Math" panose="02040503050406030204" pitchFamily="18" charset="0"/>
-                          <a:ea typeface="Cambria Math" panose="02040503050406030204" pitchFamily="18" charset="0"/>
-                        </a:rPr>
-                        <m:t>𝑇</m:t>
-                      </m:r>
-                      <m:r>
-                        <a:rPr lang="en-GB" b="0" i="1" smtClean="0">
-                          <a:latin typeface="Cambria Math" panose="02040503050406030204" pitchFamily="18" charset="0"/>
-                          <a:ea typeface="Cambria Math" panose="02040503050406030204" pitchFamily="18" charset="0"/>
-                        </a:rPr>
-                        <m:t>𝑥</m:t>
-                      </m:r>
-                    </m:oMath>
-                  </m:oMathPara>
-                </a14:m>
-                <a:endParaRPr lang="en-US" dirty="0"/>
-              </a:p>
-            </p:txBody>
-          </p:sp>
-        </mc:Choice>
-        <mc:Fallback>
-          <p:sp>
-            <p:nvSpPr>
-              <p:cNvPr id="91" name="TextBox 90">
-                <a:extLst>
-                  <a:ext uri="{FF2B5EF4-FFF2-40B4-BE49-F238E27FC236}">
-                    <a16:creationId xmlns:a16="http://schemas.microsoft.com/office/drawing/2014/main" id="{C69D0E8C-8DB7-9847-9027-1AF404B02D07}"/>
-                  </a:ext>
-                </a:extLst>
-              </p:cNvPr>
-              <p:cNvSpPr txBox="1">
-                <a:spLocks noRot="1" noChangeAspect="1" noMove="1" noResize="1" noEditPoints="1" noAdjustHandles="1" noChangeArrowheads="1" noChangeShapeType="1" noTextEdit="1"/>
-              </p:cNvSpPr>
-              <p:nvPr/>
-            </p:nvSpPr>
-            <p:spPr>
-              <a:xfrm>
-                <a:off x="6956402" y="4826500"/>
-                <a:ext cx="2119811" cy="879856"/>
-              </a:xfrm>
-              <a:prstGeom prst="rect">
-                <a:avLst/>
-              </a:prstGeom>
-              <a:blipFill>
-                <a:blip r:embed="rId7"/>
-                <a:stretch>
-                  <a:fillRect l="-13690" t="-95714" b="-145714"/>
-                </a:stretch>
-              </a:blipFill>
-            </p:spPr>
-            <p:txBody>
-              <a:bodyPr/>
-              <a:lstStyle/>
-              <a:p>
-                <a:r>
-                  <a:rPr lang="en-US">
-                    <a:noFill/>
-                  </a:rPr>
-                  <a:t> </a:t>
-                </a:r>
-              </a:p>
-            </p:txBody>
-          </p:sp>
-        </mc:Fallback>
-      </mc:AlternateContent>
-      <mc:AlternateContent xmlns:mc="http://schemas.openxmlformats.org/markup-compatibility/2006">
-        <mc:Choice xmlns:a14="http://schemas.microsoft.com/office/drawing/2010/main" Requires="a14">
+      <mc:AlternateContent xmlns:mc="http://schemas.openxmlformats.org/markup-compatibility/2006" xmlns:a14="http://schemas.microsoft.com/office/drawing/2010/main">
+        <mc:Choice Requires="a14">
           <p:sp>
             <p:nvSpPr>
               <p:cNvPr id="92" name="TextBox 91">
@@ -4453,6 +4045,7 @@
               </a:bodyPr>
               <a:lstStyle/>
               <a:p>
+                <a:pPr/>
                 <a14:m>
                   <m:oMathPara xmlns:m="http://schemas.openxmlformats.org/officeDocument/2006/math">
                     <m:oMathParaPr>
@@ -4501,7 +4094,7 @@
             </p:txBody>
           </p:sp>
         </mc:Choice>
-        <mc:Fallback>
+        <mc:Fallback xmlns="">
           <p:sp>
             <p:nvSpPr>
               <p:cNvPr id="92" name="TextBox 91">
@@ -4546,6 +4139,949 @@
           </p:sp>
         </mc:Fallback>
       </mc:AlternateContent>
+      <mc:AlternateContent xmlns:mc="http://schemas.openxmlformats.org/markup-compatibility/2006" xmlns:a14="http://schemas.microsoft.com/office/drawing/2010/main">
+        <mc:Choice Requires="a14">
+          <p:sp>
+            <p:nvSpPr>
+              <p:cNvPr id="2" name="TextBox 1">
+                <a:extLst>
+                  <a:ext uri="{FF2B5EF4-FFF2-40B4-BE49-F238E27FC236}">
+                    <a16:creationId xmlns:a16="http://schemas.microsoft.com/office/drawing/2014/main" id="{F5D5172D-6911-9C44-A063-33F038CB74D7}"/>
+                  </a:ext>
+                </a:extLst>
+              </p:cNvPr>
+              <p:cNvSpPr txBox="1"/>
+              <p:nvPr/>
+            </p:nvSpPr>
+            <p:spPr>
+              <a:xfrm>
+                <a:off x="5018495" y="2549801"/>
+                <a:ext cx="434734" cy="362984"/>
+              </a:xfrm>
+              <a:prstGeom prst="rect">
+                <a:avLst/>
+              </a:prstGeom>
+              <a:solidFill>
+                <a:schemeClr val="bg1"/>
+              </a:solidFill>
+            </p:spPr>
+            <p:txBody>
+              <a:bodyPr wrap="none" rtlCol="0">
+                <a:spAutoFit/>
+              </a:bodyPr>
+              <a:lstStyle/>
+              <a:p>
+                <a:pPr/>
+                <a14:m>
+                  <m:oMathPara xmlns:m="http://schemas.openxmlformats.org/officeDocument/2006/math">
+                    <m:oMathParaPr>
+                      <m:jc m:val="centerGroup"/>
+                    </m:oMathParaPr>
+                    <m:oMath xmlns:m="http://schemas.openxmlformats.org/officeDocument/2006/math">
+                      <m:r>
+                        <a:rPr lang="en-US" i="1" smtClean="0">
+                          <a:latin typeface="Cambria Math" panose="02040503050406030204" pitchFamily="18" charset="0"/>
+                          <a:ea typeface="Cambria Math" panose="02040503050406030204" pitchFamily="18" charset="0"/>
+                        </a:rPr>
+                        <m:t>𝜃</m:t>
+                      </m:r>
+                      <m:r>
+                        <a:rPr lang="en-GB" b="0" i="1" baseline="-25000" smtClean="0">
+                          <a:latin typeface="Cambria Math" panose="02040503050406030204" pitchFamily="18" charset="0"/>
+                          <a:ea typeface="Cambria Math" panose="02040503050406030204" pitchFamily="18" charset="0"/>
+                        </a:rPr>
+                        <m:t>1</m:t>
+                      </m:r>
+                    </m:oMath>
+                  </m:oMathPara>
+                </a14:m>
+                <a:endParaRPr lang="en-US" baseline="-25000" dirty="0"/>
+              </a:p>
+            </p:txBody>
+          </p:sp>
+        </mc:Choice>
+        <mc:Fallback xmlns="">
+          <p:sp>
+            <p:nvSpPr>
+              <p:cNvPr id="2" name="TextBox 1">
+                <a:extLst>
+                  <a:ext uri="{FF2B5EF4-FFF2-40B4-BE49-F238E27FC236}">
+                    <a16:creationId xmlns:a16="http://schemas.microsoft.com/office/drawing/2014/main" id="{F5D5172D-6911-9C44-A063-33F038CB74D7}"/>
+                  </a:ext>
+                </a:extLst>
+              </p:cNvPr>
+              <p:cNvSpPr txBox="1">
+                <a:spLocks noRot="1" noChangeAspect="1" noMove="1" noResize="1" noEditPoints="1" noAdjustHandles="1" noChangeArrowheads="1" noChangeShapeType="1" noTextEdit="1"/>
+              </p:cNvSpPr>
+              <p:nvPr/>
+            </p:nvSpPr>
+            <p:spPr>
+              <a:xfrm>
+                <a:off x="5018495" y="2549801"/>
+                <a:ext cx="434734" cy="362984"/>
+              </a:xfrm>
+              <a:prstGeom prst="rect">
+                <a:avLst/>
+              </a:prstGeom>
+              <a:blipFill>
+                <a:blip r:embed="rId9"/>
+                <a:stretch>
+                  <a:fillRect/>
+                </a:stretch>
+              </a:blipFill>
+            </p:spPr>
+            <p:txBody>
+              <a:bodyPr/>
+              <a:lstStyle/>
+              <a:p>
+                <a:r>
+                  <a:rPr lang="en-US">
+                    <a:noFill/>
+                  </a:rPr>
+                  <a:t> </a:t>
+                </a:r>
+              </a:p>
+            </p:txBody>
+          </p:sp>
+        </mc:Fallback>
+      </mc:AlternateContent>
+      <mc:AlternateContent xmlns:mc="http://schemas.openxmlformats.org/markup-compatibility/2006" xmlns:a14="http://schemas.microsoft.com/office/drawing/2010/main">
+        <mc:Choice Requires="a14">
+          <p:sp>
+            <p:nvSpPr>
+              <p:cNvPr id="18" name="TextBox 17">
+                <a:extLst>
+                  <a:ext uri="{FF2B5EF4-FFF2-40B4-BE49-F238E27FC236}">
+                    <a16:creationId xmlns:a16="http://schemas.microsoft.com/office/drawing/2014/main" id="{795ECDDF-0DBA-F346-B28C-358146C1B077}"/>
+                  </a:ext>
+                </a:extLst>
+              </p:cNvPr>
+              <p:cNvSpPr txBox="1"/>
+              <p:nvPr/>
+            </p:nvSpPr>
+            <p:spPr>
+              <a:xfrm>
+                <a:off x="5019684" y="3584778"/>
+                <a:ext cx="435600" cy="363600"/>
+              </a:xfrm>
+              <a:prstGeom prst="rect">
+                <a:avLst/>
+              </a:prstGeom>
+              <a:solidFill>
+                <a:schemeClr val="bg1"/>
+              </a:solidFill>
+            </p:spPr>
+            <p:txBody>
+              <a:bodyPr wrap="square" rtlCol="0">
+                <a:spAutoFit/>
+              </a:bodyPr>
+              <a:lstStyle/>
+              <a:p>
+                <a:pPr/>
+                <a14:m>
+                  <m:oMathPara xmlns:m="http://schemas.openxmlformats.org/officeDocument/2006/math">
+                    <m:oMathParaPr>
+                      <m:jc m:val="centerGroup"/>
+                    </m:oMathParaPr>
+                    <m:oMath xmlns:m="http://schemas.openxmlformats.org/officeDocument/2006/math">
+                      <m:r>
+                        <a:rPr lang="en-US" i="1" smtClean="0">
+                          <a:latin typeface="Cambria Math" panose="02040503050406030204" pitchFamily="18" charset="0"/>
+                          <a:ea typeface="Cambria Math" panose="02040503050406030204" pitchFamily="18" charset="0"/>
+                        </a:rPr>
+                        <m:t>𝜃</m:t>
+                      </m:r>
+                      <m:r>
+                        <a:rPr lang="en-GB" b="0" i="1" baseline="-25000" smtClean="0">
+                          <a:latin typeface="Cambria Math" panose="02040503050406030204" pitchFamily="18" charset="0"/>
+                          <a:ea typeface="Cambria Math" panose="02040503050406030204" pitchFamily="18" charset="0"/>
+                        </a:rPr>
+                        <m:t>3</m:t>
+                      </m:r>
+                    </m:oMath>
+                  </m:oMathPara>
+                </a14:m>
+                <a:endParaRPr lang="en-US" baseline="-25000" dirty="0"/>
+              </a:p>
+            </p:txBody>
+          </p:sp>
+        </mc:Choice>
+        <mc:Fallback xmlns="">
+          <p:sp>
+            <p:nvSpPr>
+              <p:cNvPr id="18" name="TextBox 17">
+                <a:extLst>
+                  <a:ext uri="{FF2B5EF4-FFF2-40B4-BE49-F238E27FC236}">
+                    <a16:creationId xmlns:a16="http://schemas.microsoft.com/office/drawing/2014/main" id="{795ECDDF-0DBA-F346-B28C-358146C1B077}"/>
+                  </a:ext>
+                </a:extLst>
+              </p:cNvPr>
+              <p:cNvSpPr txBox="1">
+                <a:spLocks noRot="1" noChangeAspect="1" noMove="1" noResize="1" noEditPoints="1" noAdjustHandles="1" noChangeArrowheads="1" noChangeShapeType="1" noTextEdit="1"/>
+              </p:cNvSpPr>
+              <p:nvPr/>
+            </p:nvSpPr>
+            <p:spPr>
+              <a:xfrm>
+                <a:off x="5019684" y="3584778"/>
+                <a:ext cx="435600" cy="363600"/>
+              </a:xfrm>
+              <a:prstGeom prst="rect">
+                <a:avLst/>
+              </a:prstGeom>
+              <a:blipFill>
+                <a:blip r:embed="rId10"/>
+                <a:stretch>
+                  <a:fillRect/>
+                </a:stretch>
+              </a:blipFill>
+            </p:spPr>
+            <p:txBody>
+              <a:bodyPr/>
+              <a:lstStyle/>
+              <a:p>
+                <a:r>
+                  <a:rPr lang="en-US">
+                    <a:noFill/>
+                  </a:rPr>
+                  <a:t> </a:t>
+                </a:r>
+              </a:p>
+            </p:txBody>
+          </p:sp>
+        </mc:Fallback>
+      </mc:AlternateContent>
+      <mc:AlternateContent xmlns:mc="http://schemas.openxmlformats.org/markup-compatibility/2006" xmlns:a14="http://schemas.microsoft.com/office/drawing/2010/main">
+        <mc:Choice Requires="a14">
+          <p:sp>
+            <p:nvSpPr>
+              <p:cNvPr id="19" name="TextBox 18">
+                <a:extLst>
+                  <a:ext uri="{FF2B5EF4-FFF2-40B4-BE49-F238E27FC236}">
+                    <a16:creationId xmlns:a16="http://schemas.microsoft.com/office/drawing/2014/main" id="{50660F44-6298-0843-AE0F-083204D29121}"/>
+                  </a:ext>
+                </a:extLst>
+              </p:cNvPr>
+              <p:cNvSpPr txBox="1"/>
+              <p:nvPr/>
+            </p:nvSpPr>
+            <p:spPr>
+              <a:xfrm>
+                <a:off x="5018495" y="3062841"/>
+                <a:ext cx="434734" cy="362984"/>
+              </a:xfrm>
+              <a:prstGeom prst="rect">
+                <a:avLst/>
+              </a:prstGeom>
+              <a:solidFill>
+                <a:schemeClr val="bg1"/>
+              </a:solidFill>
+            </p:spPr>
+            <p:txBody>
+              <a:bodyPr wrap="none" rtlCol="0">
+                <a:spAutoFit/>
+              </a:bodyPr>
+              <a:lstStyle/>
+              <a:p>
+                <a:pPr/>
+                <a14:m>
+                  <m:oMathPara xmlns:m="http://schemas.openxmlformats.org/officeDocument/2006/math">
+                    <m:oMathParaPr>
+                      <m:jc m:val="centerGroup"/>
+                    </m:oMathParaPr>
+                    <m:oMath xmlns:m="http://schemas.openxmlformats.org/officeDocument/2006/math">
+                      <m:r>
+                        <a:rPr lang="en-US" i="1" smtClean="0">
+                          <a:latin typeface="Cambria Math" panose="02040503050406030204" pitchFamily="18" charset="0"/>
+                          <a:ea typeface="Cambria Math" panose="02040503050406030204" pitchFamily="18" charset="0"/>
+                        </a:rPr>
+                        <m:t>𝜃</m:t>
+                      </m:r>
+                      <m:r>
+                        <a:rPr lang="en-GB" b="0" i="1" baseline="-25000" smtClean="0">
+                          <a:latin typeface="Cambria Math" panose="02040503050406030204" pitchFamily="18" charset="0"/>
+                          <a:ea typeface="Cambria Math" panose="02040503050406030204" pitchFamily="18" charset="0"/>
+                        </a:rPr>
+                        <m:t>2</m:t>
+                      </m:r>
+                    </m:oMath>
+                  </m:oMathPara>
+                </a14:m>
+                <a:endParaRPr lang="en-US" baseline="-25000" dirty="0"/>
+              </a:p>
+            </p:txBody>
+          </p:sp>
+        </mc:Choice>
+        <mc:Fallback xmlns="">
+          <p:sp>
+            <p:nvSpPr>
+              <p:cNvPr id="19" name="TextBox 18">
+                <a:extLst>
+                  <a:ext uri="{FF2B5EF4-FFF2-40B4-BE49-F238E27FC236}">
+                    <a16:creationId xmlns:a16="http://schemas.microsoft.com/office/drawing/2014/main" id="{50660F44-6298-0843-AE0F-083204D29121}"/>
+                  </a:ext>
+                </a:extLst>
+              </p:cNvPr>
+              <p:cNvSpPr txBox="1">
+                <a:spLocks noRot="1" noChangeAspect="1" noMove="1" noResize="1" noEditPoints="1" noAdjustHandles="1" noChangeArrowheads="1" noChangeShapeType="1" noTextEdit="1"/>
+              </p:cNvSpPr>
+              <p:nvPr/>
+            </p:nvSpPr>
+            <p:spPr>
+              <a:xfrm>
+                <a:off x="5018495" y="3062841"/>
+                <a:ext cx="434734" cy="362984"/>
+              </a:xfrm>
+              <a:prstGeom prst="rect">
+                <a:avLst/>
+              </a:prstGeom>
+              <a:blipFill>
+                <a:blip r:embed="rId11"/>
+                <a:stretch>
+                  <a:fillRect/>
+                </a:stretch>
+              </a:blipFill>
+            </p:spPr>
+            <p:txBody>
+              <a:bodyPr/>
+              <a:lstStyle/>
+              <a:p>
+                <a:r>
+                  <a:rPr lang="en-US">
+                    <a:noFill/>
+                  </a:rPr>
+                  <a:t> </a:t>
+                </a:r>
+              </a:p>
+            </p:txBody>
+          </p:sp>
+        </mc:Fallback>
+      </mc:AlternateContent>
+      <p:grpSp>
+        <p:nvGrpSpPr>
+          <p:cNvPr id="6" name="Group 5">
+            <a:extLst>
+              <a:ext uri="{FF2B5EF4-FFF2-40B4-BE49-F238E27FC236}">
+                <a16:creationId xmlns:a16="http://schemas.microsoft.com/office/drawing/2014/main" id="{1B0EBD12-63DD-B145-9AFF-2B3CDD77EECB}"/>
+              </a:ext>
+            </a:extLst>
+          </p:cNvPr>
+          <p:cNvGrpSpPr/>
+          <p:nvPr/>
+        </p:nvGrpSpPr>
+        <p:grpSpPr>
+          <a:xfrm>
+            <a:off x="6440090" y="4338432"/>
+            <a:ext cx="3665244" cy="2154443"/>
+            <a:chOff x="6358696" y="3936002"/>
+            <a:chExt cx="3665244" cy="2154443"/>
+          </a:xfrm>
+        </p:grpSpPr>
+        <p:sp>
+          <p:nvSpPr>
+            <p:cNvPr id="82" name="TextBox 81">
+              <a:extLst>
+                <a:ext uri="{FF2B5EF4-FFF2-40B4-BE49-F238E27FC236}">
+                  <a16:creationId xmlns:a16="http://schemas.microsoft.com/office/drawing/2014/main" id="{A7BCD541-1F9F-FF44-BB14-5C0E7B5671AF}"/>
+                </a:ext>
+              </a:extLst>
+            </p:cNvPr>
+            <p:cNvSpPr txBox="1"/>
+            <p:nvPr/>
+          </p:nvSpPr>
+          <p:spPr>
+            <a:xfrm>
+              <a:off x="6358696" y="5709937"/>
+              <a:ext cx="1243546" cy="369332"/>
+            </a:xfrm>
+            <a:prstGeom prst="rect">
+              <a:avLst/>
+            </a:prstGeom>
+            <a:noFill/>
+          </p:spPr>
+          <p:txBody>
+            <a:bodyPr wrap="none" rtlCol="0">
+              <a:spAutoFit/>
+            </a:bodyPr>
+            <a:lstStyle/>
+            <a:p>
+              <a:r>
+                <a:rPr lang="en-US" dirty="0"/>
+                <a:t>Activation: </a:t>
+              </a:r>
+            </a:p>
+          </p:txBody>
+        </p:sp>
+        <p:sp>
+          <p:nvSpPr>
+            <p:cNvPr id="83" name="TextBox 82">
+              <a:extLst>
+                <a:ext uri="{FF2B5EF4-FFF2-40B4-BE49-F238E27FC236}">
+                  <a16:creationId xmlns:a16="http://schemas.microsoft.com/office/drawing/2014/main" id="{3278302E-60F6-C147-A61E-FB044F02EB68}"/>
+                </a:ext>
+              </a:extLst>
+            </p:cNvPr>
+            <p:cNvSpPr txBox="1"/>
+            <p:nvPr/>
+          </p:nvSpPr>
+          <p:spPr>
+            <a:xfrm>
+              <a:off x="6358696" y="5096519"/>
+              <a:ext cx="1617494" cy="369332"/>
+            </a:xfrm>
+            <a:prstGeom prst="rect">
+              <a:avLst/>
+            </a:prstGeom>
+            <a:noFill/>
+          </p:spPr>
+          <p:txBody>
+            <a:bodyPr wrap="none" rtlCol="0">
+              <a:spAutoFit/>
+            </a:bodyPr>
+            <a:lstStyle/>
+            <a:p>
+              <a:r>
+                <a:rPr lang="en-US" dirty="0"/>
+                <a:t>Weighted Sum:</a:t>
+              </a:r>
+            </a:p>
+          </p:txBody>
+        </p:sp>
+        <mc:AlternateContent xmlns:mc="http://schemas.openxmlformats.org/markup-compatibility/2006">
+          <mc:Choice xmlns:a14="http://schemas.microsoft.com/office/drawing/2010/main" Requires="a14">
+            <p:sp>
+              <p:nvSpPr>
+                <p:cNvPr id="84" name="TextBox 83">
+                  <a:extLst>
+                    <a:ext uri="{FF2B5EF4-FFF2-40B4-BE49-F238E27FC236}">
+                      <a16:creationId xmlns:a16="http://schemas.microsoft.com/office/drawing/2014/main" id="{0E09F600-DD28-194E-8B64-B1ED06075213}"/>
+                    </a:ext>
+                  </a:extLst>
+                </p:cNvPr>
+                <p:cNvSpPr txBox="1"/>
+                <p:nvPr/>
+              </p:nvSpPr>
+              <p:spPr>
+                <a:xfrm>
+                  <a:off x="7904129" y="5721113"/>
+                  <a:ext cx="1113574" cy="369332"/>
+                </a:xfrm>
+                <a:prstGeom prst="rect">
+                  <a:avLst/>
+                </a:prstGeom>
+                <a:noFill/>
+              </p:spPr>
+              <p:txBody>
+                <a:bodyPr wrap="none" rtlCol="0">
+                  <a:spAutoFit/>
+                </a:bodyPr>
+                <a:lstStyle/>
+                <a:p>
+                  <a:pPr/>
+                  <a14:m>
+                    <m:oMathPara xmlns:m="http://schemas.openxmlformats.org/officeDocument/2006/math">
+                      <m:oMathParaPr>
+                        <m:jc m:val="centerGroup"/>
+                      </m:oMathParaPr>
+                      <m:oMath xmlns:m="http://schemas.openxmlformats.org/officeDocument/2006/math">
+                        <m:r>
+                          <a:rPr lang="en-GB" b="0" i="1" smtClean="0">
+                            <a:latin typeface="Cambria Math" panose="02040503050406030204" pitchFamily="18" charset="0"/>
+                          </a:rPr>
+                          <m:t>𝑎</m:t>
+                        </m:r>
+                        <m:r>
+                          <a:rPr lang="en-GB" b="0" i="1" smtClean="0">
+                            <a:latin typeface="Cambria Math" panose="02040503050406030204" pitchFamily="18" charset="0"/>
+                          </a:rPr>
+                          <m:t>=</m:t>
+                        </m:r>
+                        <m:r>
+                          <a:rPr lang="en-GB" b="0" i="1" smtClean="0">
+                            <a:latin typeface="Cambria Math" panose="02040503050406030204" pitchFamily="18" charset="0"/>
+                          </a:rPr>
+                          <m:t>h</m:t>
+                        </m:r>
+                        <m:r>
+                          <a:rPr lang="en-GB" b="0" i="1" smtClean="0">
+                            <a:latin typeface="Cambria Math" panose="02040503050406030204" pitchFamily="18" charset="0"/>
+                          </a:rPr>
+                          <m:t>(</m:t>
+                        </m:r>
+                        <m:r>
+                          <a:rPr lang="en-GB" b="0" i="1" smtClean="0">
+                            <a:latin typeface="Cambria Math" panose="02040503050406030204" pitchFamily="18" charset="0"/>
+                          </a:rPr>
+                          <m:t>𝑧</m:t>
+                        </m:r>
+                        <m:r>
+                          <a:rPr lang="en-GB" b="0" i="1" smtClean="0">
+                            <a:latin typeface="Cambria Math" panose="02040503050406030204" pitchFamily="18" charset="0"/>
+                          </a:rPr>
+                          <m:t>)</m:t>
+                        </m:r>
+                      </m:oMath>
+                    </m:oMathPara>
+                  </a14:m>
+                  <a:endParaRPr lang="en-US" dirty="0"/>
+                </a:p>
+              </p:txBody>
+            </p:sp>
+          </mc:Choice>
+          <mc:Fallback>
+            <p:sp>
+              <p:nvSpPr>
+                <p:cNvPr id="84" name="TextBox 83">
+                  <a:extLst>
+                    <a:ext uri="{FF2B5EF4-FFF2-40B4-BE49-F238E27FC236}">
+                      <a16:creationId xmlns:a16="http://schemas.microsoft.com/office/drawing/2014/main" id="{0E09F600-DD28-194E-8B64-B1ED06075213}"/>
+                    </a:ext>
+                  </a:extLst>
+                </p:cNvPr>
+                <p:cNvSpPr txBox="1">
+                  <a:spLocks noRot="1" noChangeAspect="1" noMove="1" noResize="1" noEditPoints="1" noAdjustHandles="1" noChangeArrowheads="1" noChangeShapeType="1" noTextEdit="1"/>
+                </p:cNvSpPr>
+                <p:nvPr/>
+              </p:nvSpPr>
+              <p:spPr>
+                <a:xfrm>
+                  <a:off x="7904129" y="5721113"/>
+                  <a:ext cx="1113574" cy="369332"/>
+                </a:xfrm>
+                <a:prstGeom prst="rect">
+                  <a:avLst/>
+                </a:prstGeom>
+                <a:blipFill>
+                  <a:blip r:embed="rId12"/>
+                  <a:stretch>
+                    <a:fillRect b="-13333"/>
+                  </a:stretch>
+                </a:blipFill>
+              </p:spPr>
+              <p:txBody>
+                <a:bodyPr/>
+                <a:lstStyle/>
+                <a:p>
+                  <a:r>
+                    <a:rPr lang="en-US">
+                      <a:noFill/>
+                    </a:rPr>
+                    <a:t> </a:t>
+                  </a:r>
+                </a:p>
+              </p:txBody>
+            </p:sp>
+          </mc:Fallback>
+        </mc:AlternateContent>
+        <mc:AlternateContent xmlns:mc="http://schemas.openxmlformats.org/markup-compatibility/2006">
+          <mc:Choice xmlns:a14="http://schemas.microsoft.com/office/drawing/2010/main" Requires="a14">
+            <p:sp>
+              <p:nvSpPr>
+                <p:cNvPr id="91" name="TextBox 90">
+                  <a:extLst>
+                    <a:ext uri="{FF2B5EF4-FFF2-40B4-BE49-F238E27FC236}">
+                      <a16:creationId xmlns:a16="http://schemas.microsoft.com/office/drawing/2014/main" id="{C69D0E8C-8DB7-9847-9027-1AF404B02D07}"/>
+                    </a:ext>
+                  </a:extLst>
+                </p:cNvPr>
+                <p:cNvSpPr txBox="1"/>
+                <p:nvPr/>
+              </p:nvSpPr>
+              <p:spPr>
+                <a:xfrm>
+                  <a:off x="7904129" y="4841257"/>
+                  <a:ext cx="2119811" cy="879856"/>
+                </a:xfrm>
+                <a:prstGeom prst="rect">
+                  <a:avLst/>
+                </a:prstGeom>
+                <a:noFill/>
+              </p:spPr>
+              <p:txBody>
+                <a:bodyPr wrap="none" rtlCol="0">
+                  <a:spAutoFit/>
+                </a:bodyPr>
+                <a:lstStyle/>
+                <a:p>
+                  <a:pPr/>
+                  <a14:m>
+                    <m:oMathPara xmlns:m="http://schemas.openxmlformats.org/officeDocument/2006/math">
+                      <m:oMathParaPr>
+                        <m:jc m:val="centerGroup"/>
+                      </m:oMathParaPr>
+                      <m:oMath xmlns:m="http://schemas.openxmlformats.org/officeDocument/2006/math">
+                        <m:r>
+                          <a:rPr lang="en-GB" b="0" i="1" smtClean="0">
+                            <a:latin typeface="Cambria Math" panose="02040503050406030204" pitchFamily="18" charset="0"/>
+                          </a:rPr>
+                          <m:t>𝑧</m:t>
+                        </m:r>
+                        <m:r>
+                          <a:rPr lang="en-GB" b="0" i="1" smtClean="0">
+                            <a:latin typeface="Cambria Math" panose="02040503050406030204" pitchFamily="18" charset="0"/>
+                          </a:rPr>
+                          <m:t>=</m:t>
+                        </m:r>
+                        <m:nary>
+                          <m:naryPr>
+                            <m:chr m:val="∑"/>
+                            <m:ctrlPr>
+                              <a:rPr lang="en-US" i="1" smtClean="0">
+                                <a:latin typeface="Cambria Math" panose="02040503050406030204" pitchFamily="18" charset="0"/>
+                              </a:rPr>
+                            </m:ctrlPr>
+                          </m:naryPr>
+                          <m:sub>
+                            <m:r>
+                              <m:rPr>
+                                <m:brk m:alnAt="23"/>
+                              </m:rPr>
+                              <a:rPr lang="en-GB" b="0" i="1" smtClean="0">
+                                <a:latin typeface="Cambria Math" panose="02040503050406030204" pitchFamily="18" charset="0"/>
+                              </a:rPr>
+                              <m:t>𝑗</m:t>
+                            </m:r>
+                            <m:r>
+                              <a:rPr lang="en-GB" b="0" i="1" smtClean="0">
+                                <a:latin typeface="Cambria Math" panose="02040503050406030204" pitchFamily="18" charset="0"/>
+                              </a:rPr>
+                              <m:t>=1</m:t>
+                            </m:r>
+                          </m:sub>
+                          <m:sup>
+                            <m:r>
+                              <a:rPr lang="en-GB" b="0" i="1" smtClean="0">
+                                <a:latin typeface="Cambria Math" panose="02040503050406030204" pitchFamily="18" charset="0"/>
+                              </a:rPr>
+                              <m:t>𝑛</m:t>
+                            </m:r>
+                          </m:sup>
+                          <m:e>
+                            <m:r>
+                              <a:rPr lang="en-US" i="1" smtClean="0">
+                                <a:latin typeface="Cambria Math" panose="02040503050406030204" pitchFamily="18" charset="0"/>
+                                <a:ea typeface="Cambria Math" panose="02040503050406030204" pitchFamily="18" charset="0"/>
+                              </a:rPr>
+                              <m:t>𝜃</m:t>
+                            </m:r>
+                            <m:r>
+                              <a:rPr lang="en-GB" b="0" i="1" baseline="-25000" smtClean="0">
+                                <a:latin typeface="Cambria Math" panose="02040503050406030204" pitchFamily="18" charset="0"/>
+                                <a:ea typeface="Cambria Math" panose="02040503050406030204" pitchFamily="18" charset="0"/>
+                              </a:rPr>
+                              <m:t>𝑗</m:t>
+                            </m:r>
+                            <m:r>
+                              <a:rPr lang="en-GB" b="0" i="1" smtClean="0">
+                                <a:latin typeface="Cambria Math" panose="02040503050406030204" pitchFamily="18" charset="0"/>
+                                <a:ea typeface="Cambria Math" panose="02040503050406030204" pitchFamily="18" charset="0"/>
+                              </a:rPr>
+                              <m:t>𝑥</m:t>
+                            </m:r>
+                            <m:r>
+                              <a:rPr lang="en-GB" b="0" i="1" baseline="-25000" smtClean="0">
+                                <a:latin typeface="Cambria Math" panose="02040503050406030204" pitchFamily="18" charset="0"/>
+                                <a:ea typeface="Cambria Math" panose="02040503050406030204" pitchFamily="18" charset="0"/>
+                              </a:rPr>
+                              <m:t>𝑗</m:t>
+                            </m:r>
+                          </m:e>
+                        </m:nary>
+                        <m:r>
+                          <a:rPr lang="en-GB" b="0" i="1" smtClean="0">
+                            <a:latin typeface="Cambria Math" panose="02040503050406030204" pitchFamily="18" charset="0"/>
+                            <a:ea typeface="Cambria Math" panose="02040503050406030204" pitchFamily="18" charset="0"/>
+                          </a:rPr>
+                          <m:t>= </m:t>
+                        </m:r>
+                        <m:r>
+                          <a:rPr lang="en-GB" b="0" i="1" smtClean="0">
+                            <a:latin typeface="Cambria Math" panose="02040503050406030204" pitchFamily="18" charset="0"/>
+                            <a:ea typeface="Cambria Math" panose="02040503050406030204" pitchFamily="18" charset="0"/>
+                          </a:rPr>
+                          <m:t>𝜃</m:t>
+                        </m:r>
+                        <m:r>
+                          <a:rPr lang="en-GB" b="0" i="1" baseline="30000" smtClean="0">
+                            <a:latin typeface="Cambria Math" panose="02040503050406030204" pitchFamily="18" charset="0"/>
+                            <a:ea typeface="Cambria Math" panose="02040503050406030204" pitchFamily="18" charset="0"/>
+                          </a:rPr>
+                          <m:t>𝑇</m:t>
+                        </m:r>
+                        <m:r>
+                          <a:rPr lang="en-GB" b="0" i="1" smtClean="0">
+                            <a:latin typeface="Cambria Math" panose="02040503050406030204" pitchFamily="18" charset="0"/>
+                            <a:ea typeface="Cambria Math" panose="02040503050406030204" pitchFamily="18" charset="0"/>
+                          </a:rPr>
+                          <m:t>𝑥</m:t>
+                        </m:r>
+                      </m:oMath>
+                    </m:oMathPara>
+                  </a14:m>
+                  <a:endParaRPr lang="en-US" dirty="0"/>
+                </a:p>
+              </p:txBody>
+            </p:sp>
+          </mc:Choice>
+          <mc:Fallback>
+            <p:sp>
+              <p:nvSpPr>
+                <p:cNvPr id="91" name="TextBox 90">
+                  <a:extLst>
+                    <a:ext uri="{FF2B5EF4-FFF2-40B4-BE49-F238E27FC236}">
+                      <a16:creationId xmlns:a16="http://schemas.microsoft.com/office/drawing/2014/main" id="{C69D0E8C-8DB7-9847-9027-1AF404B02D07}"/>
+                    </a:ext>
+                  </a:extLst>
+                </p:cNvPr>
+                <p:cNvSpPr txBox="1">
+                  <a:spLocks noRot="1" noChangeAspect="1" noMove="1" noResize="1" noEditPoints="1" noAdjustHandles="1" noChangeArrowheads="1" noChangeShapeType="1" noTextEdit="1"/>
+                </p:cNvSpPr>
+                <p:nvPr/>
+              </p:nvSpPr>
+              <p:spPr>
+                <a:xfrm>
+                  <a:off x="7904129" y="4841257"/>
+                  <a:ext cx="2119811" cy="879856"/>
+                </a:xfrm>
+                <a:prstGeom prst="rect">
+                  <a:avLst/>
+                </a:prstGeom>
+                <a:blipFill>
+                  <a:blip r:embed="rId13"/>
+                  <a:stretch>
+                    <a:fillRect l="-14286" t="-95714" b="-144286"/>
+                  </a:stretch>
+                </a:blipFill>
+              </p:spPr>
+              <p:txBody>
+                <a:bodyPr/>
+                <a:lstStyle/>
+                <a:p>
+                  <a:r>
+                    <a:rPr lang="en-US">
+                      <a:noFill/>
+                    </a:rPr>
+                    <a:t> </a:t>
+                  </a:r>
+                </a:p>
+              </p:txBody>
+            </p:sp>
+          </mc:Fallback>
+        </mc:AlternateContent>
+        <mc:AlternateContent xmlns:mc="http://schemas.openxmlformats.org/markup-compatibility/2006">
+          <mc:Choice xmlns:a14="http://schemas.microsoft.com/office/drawing/2010/main" Requires="a14">
+            <p:sp>
+              <p:nvSpPr>
+                <p:cNvPr id="3" name="TextBox 2">
+                  <a:extLst>
+                    <a:ext uri="{FF2B5EF4-FFF2-40B4-BE49-F238E27FC236}">
+                      <a16:creationId xmlns:a16="http://schemas.microsoft.com/office/drawing/2014/main" id="{A24B315C-1C99-CB47-BB0F-12235AE1CACD}"/>
+                    </a:ext>
+                  </a:extLst>
+                </p:cNvPr>
+                <p:cNvSpPr txBox="1"/>
+                <p:nvPr/>
+              </p:nvSpPr>
+              <p:spPr>
+                <a:xfrm>
+                  <a:off x="6399200" y="3936002"/>
+                  <a:ext cx="1054391" cy="369332"/>
+                </a:xfrm>
+                <a:prstGeom prst="rect">
+                  <a:avLst/>
+                </a:prstGeom>
+                <a:noFill/>
+              </p:spPr>
+              <p:txBody>
+                <a:bodyPr wrap="none" rtlCol="0">
+                  <a:spAutoFit/>
+                </a:bodyPr>
+                <a:lstStyle/>
+                <a:p>
+                  <a14:m>
+                    <m:oMath xmlns:m="http://schemas.openxmlformats.org/officeDocument/2006/math">
+                      <m:r>
+                        <a:rPr lang="en-GB" b="0" i="1" smtClean="0">
+                          <a:latin typeface="Cambria Math" panose="02040503050406030204" pitchFamily="18" charset="0"/>
+                        </a:rPr>
+                        <m:t>𝑥</m:t>
+                      </m:r>
+                      <m:r>
+                        <a:rPr lang="en-GB" b="0" i="1" baseline="-25000" smtClean="0">
+                          <a:latin typeface="Cambria Math" panose="02040503050406030204" pitchFamily="18" charset="0"/>
+                        </a:rPr>
+                        <m:t>𝑖</m:t>
+                      </m:r>
+                      <m:r>
+                        <a:rPr lang="en-GB" b="0" i="1" smtClean="0">
+                          <a:latin typeface="Cambria Math" panose="02040503050406030204" pitchFamily="18" charset="0"/>
+                        </a:rPr>
+                        <m:t>: </m:t>
+                      </m:r>
+                    </m:oMath>
+                  </a14:m>
+                  <a:r>
+                    <a:rPr lang="en-US" dirty="0"/>
+                    <a:t> Input</a:t>
+                  </a:r>
+                </a:p>
+              </p:txBody>
+            </p:sp>
+          </mc:Choice>
+          <mc:Fallback>
+            <p:sp>
+              <p:nvSpPr>
+                <p:cNvPr id="3" name="TextBox 2">
+                  <a:extLst>
+                    <a:ext uri="{FF2B5EF4-FFF2-40B4-BE49-F238E27FC236}">
+                      <a16:creationId xmlns:a16="http://schemas.microsoft.com/office/drawing/2014/main" id="{A24B315C-1C99-CB47-BB0F-12235AE1CACD}"/>
+                    </a:ext>
+                  </a:extLst>
+                </p:cNvPr>
+                <p:cNvSpPr txBox="1">
+                  <a:spLocks noRot="1" noChangeAspect="1" noMove="1" noResize="1" noEditPoints="1" noAdjustHandles="1" noChangeArrowheads="1" noChangeShapeType="1" noTextEdit="1"/>
+                </p:cNvSpPr>
+                <p:nvPr/>
+              </p:nvSpPr>
+              <p:spPr>
+                <a:xfrm>
+                  <a:off x="6399200" y="3936002"/>
+                  <a:ext cx="1054391" cy="369332"/>
+                </a:xfrm>
+                <a:prstGeom prst="rect">
+                  <a:avLst/>
+                </a:prstGeom>
+                <a:blipFill>
+                  <a:blip r:embed="rId14"/>
+                  <a:stretch>
+                    <a:fillRect t="-6667" r="-1190" b="-23333"/>
+                  </a:stretch>
+                </a:blipFill>
+              </p:spPr>
+              <p:txBody>
+                <a:bodyPr/>
+                <a:lstStyle/>
+                <a:p>
+                  <a:r>
+                    <a:rPr lang="en-US">
+                      <a:noFill/>
+                    </a:rPr>
+                    <a:t> </a:t>
+                  </a:r>
+                </a:p>
+              </p:txBody>
+            </p:sp>
+          </mc:Fallback>
+        </mc:AlternateContent>
+        <mc:AlternateContent xmlns:mc="http://schemas.openxmlformats.org/markup-compatibility/2006">
+          <mc:Choice xmlns:a14="http://schemas.microsoft.com/office/drawing/2010/main" Requires="a14">
+            <p:sp>
+              <p:nvSpPr>
+                <p:cNvPr id="5" name="TextBox 4">
+                  <a:extLst>
+                    <a:ext uri="{FF2B5EF4-FFF2-40B4-BE49-F238E27FC236}">
+                      <a16:creationId xmlns:a16="http://schemas.microsoft.com/office/drawing/2014/main" id="{CD7E0278-BE08-2E43-95B7-CB7AC188E663}"/>
+                    </a:ext>
+                  </a:extLst>
+                </p:cNvPr>
+                <p:cNvSpPr txBox="1"/>
+                <p:nvPr/>
+              </p:nvSpPr>
+              <p:spPr>
+                <a:xfrm>
+                  <a:off x="6399200" y="4483101"/>
+                  <a:ext cx="1229760" cy="369332"/>
+                </a:xfrm>
+                <a:prstGeom prst="rect">
+                  <a:avLst/>
+                </a:prstGeom>
+                <a:noFill/>
+              </p:spPr>
+              <p:txBody>
+                <a:bodyPr wrap="none" rtlCol="0">
+                  <a:spAutoFit/>
+                </a:bodyPr>
+                <a:lstStyle/>
+                <a:p>
+                  <a14:m>
+                    <m:oMath xmlns:m="http://schemas.openxmlformats.org/officeDocument/2006/math">
+                      <m:r>
+                        <a:rPr lang="en-US" i="1" smtClean="0">
+                          <a:latin typeface="Cambria Math" panose="02040503050406030204" pitchFamily="18" charset="0"/>
+                          <a:ea typeface="Cambria Math" panose="02040503050406030204" pitchFamily="18" charset="0"/>
+                        </a:rPr>
+                        <m:t>𝜃</m:t>
+                      </m:r>
+                      <m:r>
+                        <a:rPr lang="en-GB" b="0" i="1" baseline="-25000" smtClean="0">
+                          <a:latin typeface="Cambria Math" panose="02040503050406030204" pitchFamily="18" charset="0"/>
+                          <a:ea typeface="Cambria Math" panose="02040503050406030204" pitchFamily="18" charset="0"/>
+                        </a:rPr>
+                        <m:t>𝑖</m:t>
+                      </m:r>
+                      <m:r>
+                        <a:rPr lang="en-GB" b="0" i="1" smtClean="0">
+                          <a:latin typeface="Cambria Math" panose="02040503050406030204" pitchFamily="18" charset="0"/>
+                          <a:ea typeface="Cambria Math" panose="02040503050406030204" pitchFamily="18" charset="0"/>
+                        </a:rPr>
+                        <m:t>:  </m:t>
+                      </m:r>
+                    </m:oMath>
+                  </a14:m>
+                  <a:r>
+                    <a:rPr lang="en-US" dirty="0"/>
+                    <a:t>Weight</a:t>
+                  </a:r>
+                </a:p>
+              </p:txBody>
+            </p:sp>
+          </mc:Choice>
+          <mc:Fallback>
+            <p:sp>
+              <p:nvSpPr>
+                <p:cNvPr id="5" name="TextBox 4">
+                  <a:extLst>
+                    <a:ext uri="{FF2B5EF4-FFF2-40B4-BE49-F238E27FC236}">
+                      <a16:creationId xmlns:a16="http://schemas.microsoft.com/office/drawing/2014/main" id="{CD7E0278-BE08-2E43-95B7-CB7AC188E663}"/>
+                    </a:ext>
+                  </a:extLst>
+                </p:cNvPr>
+                <p:cNvSpPr txBox="1">
+                  <a:spLocks noRot="1" noChangeAspect="1" noMove="1" noResize="1" noEditPoints="1" noAdjustHandles="1" noChangeArrowheads="1" noChangeShapeType="1" noTextEdit="1"/>
+                </p:cNvSpPr>
+                <p:nvPr/>
+              </p:nvSpPr>
+              <p:spPr>
+                <a:xfrm>
+                  <a:off x="6399200" y="4483101"/>
+                  <a:ext cx="1229760" cy="369332"/>
+                </a:xfrm>
+                <a:prstGeom prst="rect">
+                  <a:avLst/>
+                </a:prstGeom>
+                <a:blipFill>
+                  <a:blip r:embed="rId15"/>
+                  <a:stretch>
+                    <a:fillRect t="-6667" r="-1020" b="-23333"/>
+                  </a:stretch>
+                </a:blipFill>
+              </p:spPr>
+              <p:txBody>
+                <a:bodyPr/>
+                <a:lstStyle/>
+                <a:p>
+                  <a:r>
+                    <a:rPr lang="en-US">
+                      <a:noFill/>
+                    </a:rPr>
+                    <a:t> </a:t>
+                  </a:r>
+                </a:p>
+              </p:txBody>
+            </p:sp>
+          </mc:Fallback>
+        </mc:AlternateContent>
+      </p:grpSp>
     </p:spTree>
     <p:extLst>
       <p:ext uri="{BB962C8B-B14F-4D97-AF65-F5344CB8AC3E}">
